--- a/trunk/CDBM/Team Assignment 01/Team02-edit.pptx
+++ b/trunk/CDBM/Team Assignment 01/Team02-edit.pptx
@@ -144,7 +144,7 @@
   </p:defaultTextStyle>
   <p:extLst>
     <p:ext uri="{EFAFB233-063F-42B5-8137-9DF3F51BA10A}">
-      <p15:sldGuideLst xmlns:p15="http://schemas.microsoft.com/office/powerpoint/2012/main" xmlns="">
+      <p15:sldGuideLst xmlns:p15="http://schemas.microsoft.com/office/powerpoint/2012/main">
         <p15:guide id="1" orient="horz" pos="1800" userDrawn="1">
           <p15:clr>
             <a:srgbClr val="A4A3A4"/>
@@ -258,7 +258,7 @@
           <a:p>
             <a:fld id="{D68B8E7A-0CAD-4211-A8B4-4904BFD6EA77}" type="datetimeFigureOut">
               <a:rPr lang="en-US" smtClean="0"/>
-              <a:t>09/10/2013</a:t>
+              <a:t>10/10/2013</a:t>
             </a:fld>
             <a:endParaRPr lang="en-US"/>
           </a:p>
@@ -828,38 +828,18 @@
           <a:lstStyle/>
           <a:p>
             <a:r>
-              <a:rPr lang="en-US" b="1" dirty="0" smtClean="0"/>
-              <a:t>RSA </a:t>
-            </a:r>
-            <a:r>
-              <a:rPr lang="vi-VN" b="1" dirty="0" smtClean="0"/>
-              <a:t>SecurID</a:t>
-            </a:r>
-            <a:r>
-              <a:rPr lang="en-US" b="1" dirty="0" smtClean="0"/>
-              <a:t> Token Calculator</a:t>
-            </a:r>
-            <a:r>
-              <a:rPr lang="en-US" dirty="0" smtClean="0"/>
-              <a:t> </a:t>
-            </a:r>
-          </a:p>
-          <a:p>
-            <a:pPr>
-              <a:buFont typeface="Wingdings" pitchFamily="2" charset="2"/>
-              <a:buNone/>
-            </a:pPr>
-            <a:r>
-              <a:rPr lang="en-US" dirty="0" smtClean="0"/>
-              <a:t>	</a:t>
-            </a:r>
-            <a:r>
-              <a:rPr lang="vi-VN" dirty="0" smtClean="0"/>
-              <a:t>Các SecurID Key Fob sẽ hiển thị một mã truy cập ngẫu nhiên tạo ra, mà thay đổi mỗi 60 giây. Các SecurID Key Fob cung cấp hai yếu tố xác thực: người sử dụng các bản ghi trong bằng cách nhập một số nhận dạng cá nhân bí mật (PIN) theo sau là mã hiện hành hiển thị trên thẻ SecurID. </a:t>
-            </a:r>
-          </a:p>
-          <a:p>
-            <a:endParaRPr lang="en-US" dirty="0"/>
+              <a:rPr lang="en-US" smtClean="0"/>
+              <a:t>cho phép các thao tác của các thông số</a:t>
+            </a:r>
+            <a:r>
+              <a:rPr lang="en-US" baseline="0" smtClean="0"/>
+              <a:t> registry </a:t>
+            </a:r>
+            <a:r>
+              <a:rPr lang="en-US" smtClean="0"/>
+              <a:t>từ internet.</a:t>
+            </a:r>
+            <a:endParaRPr lang="en-US"/>
           </a:p>
         </p:txBody>
       </p:sp>
@@ -880,7 +860,7 @@
           <a:p>
             <a:fld id="{FAC12B91-7657-4F21-8BE0-A3CBF37DB14A}" type="slidenum">
               <a:rPr lang="en-US" smtClean="0"/>
-              <a:t>19</a:t>
+              <a:t>9</a:t>
             </a:fld>
             <a:endParaRPr lang="en-US"/>
           </a:p>
@@ -889,7 +869,7 @@
     </p:spTree>
     <p:extLst>
       <p:ext uri="{BB962C8B-B14F-4D97-AF65-F5344CB8AC3E}">
-        <p14:creationId xmlns:p14="http://schemas.microsoft.com/office/powerpoint/2010/main" val="728876452"/>
+        <p14:creationId xmlns:p14="http://schemas.microsoft.com/office/powerpoint/2010/main" val="3445547261"/>
       </p:ext>
     </p:extLst>
   </p:cSld>
@@ -943,6 +923,371 @@
           <a:bodyPr/>
           <a:lstStyle/>
           <a:p>
+            <a:r>
+              <a:rPr lang="en-US" smtClean="0"/>
+              <a:t>Cho phép phục hồi mật khẩu rõ ràng bằng</a:t>
+            </a:r>
+            <a:r>
+              <a:rPr lang="en-US" baseline="0" smtClean="0"/>
+              <a:t> cách </a:t>
+            </a:r>
+            <a:r>
+              <a:rPr lang="en-US" smtClean="0"/>
+              <a:t>sử dụng một số băm hoặc các thuật toán mã hóa. </a:t>
+            </a:r>
+            <a:endParaRPr lang="en-US"/>
+          </a:p>
+        </p:txBody>
+      </p:sp>
+      <p:sp>
+        <p:nvSpPr>
+          <p:cNvPr id="4" name="Slide Number Placeholder 3"/>
+          <p:cNvSpPr>
+            <a:spLocks noGrp="1"/>
+          </p:cNvSpPr>
+          <p:nvPr>
+            <p:ph type="sldNum" sz="quarter" idx="10"/>
+          </p:nvPr>
+        </p:nvSpPr>
+        <p:spPr/>
+        <p:txBody>
+          <a:bodyPr/>
+          <a:lstStyle/>
+          <a:p>
+            <a:fld id="{FAC12B91-7657-4F21-8BE0-A3CBF37DB14A}" type="slidenum">
+              <a:rPr lang="en-US" smtClean="0"/>
+              <a:t>10</a:t>
+            </a:fld>
+            <a:endParaRPr lang="en-US"/>
+          </a:p>
+        </p:txBody>
+      </p:sp>
+    </p:spTree>
+    <p:extLst>
+      <p:ext uri="{BB962C8B-B14F-4D97-AF65-F5344CB8AC3E}">
+        <p14:creationId xmlns:p14="http://schemas.microsoft.com/office/powerpoint/2010/main" val="338741722"/>
+      </p:ext>
+    </p:extLst>
+  </p:cSld>
+  <p:clrMapOvr>
+    <a:masterClrMapping/>
+  </p:clrMapOvr>
+</p:notes>
+</file>
+
+<file path=ppt/notesSlides/notesSlide6.xml><?xml version="1.0" encoding="utf-8"?>
+<p:notes xmlns:a="http://schemas.openxmlformats.org/drawingml/2006/main" xmlns:r="http://schemas.openxmlformats.org/officeDocument/2006/relationships" xmlns:p="http://schemas.openxmlformats.org/presentationml/2006/main">
+  <p:cSld>
+    <p:spTree>
+      <p:nvGrpSpPr>
+        <p:cNvPr id="1" name=""/>
+        <p:cNvGrpSpPr/>
+        <p:nvPr/>
+      </p:nvGrpSpPr>
+      <p:grpSpPr>
+        <a:xfrm>
+          <a:off x="0" y="0"/>
+          <a:ext cx="0" cy="0"/>
+          <a:chOff x="0" y="0"/>
+          <a:chExt cx="0" cy="0"/>
+        </a:xfrm>
+      </p:grpSpPr>
+      <p:sp>
+        <p:nvSpPr>
+          <p:cNvPr id="2" name="Slide Image Placeholder 1"/>
+          <p:cNvSpPr>
+            <a:spLocks noGrp="1" noRot="1" noChangeAspect="1"/>
+          </p:cNvSpPr>
+          <p:nvPr>
+            <p:ph type="sldImg"/>
+          </p:nvPr>
+        </p:nvSpPr>
+        <p:spPr/>
+      </p:sp>
+      <p:sp>
+        <p:nvSpPr>
+          <p:cNvPr id="3" name="Notes Placeholder 2"/>
+          <p:cNvSpPr>
+            <a:spLocks noGrp="1"/>
+          </p:cNvSpPr>
+          <p:nvPr>
+            <p:ph type="body" idx="1"/>
+          </p:nvPr>
+        </p:nvSpPr>
+        <p:spPr/>
+        <p:txBody>
+          <a:bodyPr/>
+          <a:lstStyle/>
+          <a:p>
+            <a:r>
+              <a:rPr lang="en-US" smtClean="0"/>
+              <a:t>-   C</a:t>
+            </a:r>
+            <a:r>
+              <a:rPr lang="vi-VN" smtClean="0"/>
+              <a:t>ố gắng </a:t>
+            </a:r>
+            <a:r>
+              <a:rPr lang="en-US" smtClean="0"/>
+              <a:t>thử</a:t>
+            </a:r>
+            <a:r>
+              <a:rPr lang="vi-VN" smtClean="0"/>
+              <a:t> mỗi từ trong từ điển như một chìa khóa có thể cho một mật khẩu mã hóa. </a:t>
+            </a:r>
+            <a:endParaRPr lang="en-US" smtClean="0"/>
+          </a:p>
+          <a:p>
+            <a:pPr marL="0" indent="0">
+              <a:buFontTx/>
+              <a:buNone/>
+            </a:pPr>
+            <a:r>
+              <a:rPr lang="en-US" smtClean="0"/>
+              <a:t>-   Dùng</a:t>
+            </a:r>
+            <a:r>
+              <a:rPr lang="en-US" baseline="0" smtClean="0"/>
+              <a:t> m</a:t>
+            </a:r>
+            <a:r>
+              <a:rPr lang="vi-VN" smtClean="0"/>
+              <a:t>ột từ điển các mật khẩu . </a:t>
+            </a:r>
+            <a:endParaRPr lang="en-US" smtClean="0"/>
+          </a:p>
+          <a:p>
+            <a:pPr marL="171450" indent="-171450">
+              <a:buFontTx/>
+              <a:buChar char="-"/>
+            </a:pPr>
+            <a:r>
+              <a:rPr lang="en-US" smtClean="0"/>
+              <a:t>L</a:t>
+            </a:r>
+            <a:r>
+              <a:rPr lang="vi-VN" smtClean="0"/>
+              <a:t>oại tấn công này nói chung là hiệu quả hơn so với một cuộc tấn công brute-force , bởi vì người dùng thường chọn các mật khẩu kém .</a:t>
+            </a:r>
+            <a:endParaRPr lang="en-US" smtClean="0"/>
+          </a:p>
+          <a:p>
+            <a:pPr marL="171450" indent="-171450">
+              <a:buFontTx/>
+              <a:buChar char="-"/>
+            </a:pPr>
+            <a:r>
+              <a:rPr lang="vi-VN" smtClean="0"/>
+              <a:t>Có hai phương pháp để cải thiện sự thành công của một cuộc tấn công: phương pháp đầu tiên là sử dụng một từ điển lớn hơn, hoặc nhiều từ </a:t>
+            </a:r>
+            <a:r>
+              <a:rPr lang="en-US" smtClean="0"/>
+              <a:t>hơn,</a:t>
+            </a:r>
+            <a:r>
+              <a:rPr lang="vi-VN" smtClean="0"/>
+              <a:t>phương pháp thứ hai là thực hiện chuỗi thao tác trên từ điển.</a:t>
+            </a:r>
+            <a:endParaRPr lang="en-US"/>
+          </a:p>
+        </p:txBody>
+      </p:sp>
+      <p:sp>
+        <p:nvSpPr>
+          <p:cNvPr id="4" name="Slide Number Placeholder 3"/>
+          <p:cNvSpPr>
+            <a:spLocks noGrp="1"/>
+          </p:cNvSpPr>
+          <p:nvPr>
+            <p:ph type="sldNum" sz="quarter" idx="10"/>
+          </p:nvPr>
+        </p:nvSpPr>
+        <p:spPr/>
+        <p:txBody>
+          <a:bodyPr/>
+          <a:lstStyle/>
+          <a:p>
+            <a:fld id="{FAC12B91-7657-4F21-8BE0-A3CBF37DB14A}" type="slidenum">
+              <a:rPr lang="en-US" smtClean="0"/>
+              <a:t>15</a:t>
+            </a:fld>
+            <a:endParaRPr lang="en-US"/>
+          </a:p>
+        </p:txBody>
+      </p:sp>
+    </p:spTree>
+    <p:extLst>
+      <p:ext uri="{BB962C8B-B14F-4D97-AF65-F5344CB8AC3E}">
+        <p14:creationId xmlns:p14="http://schemas.microsoft.com/office/powerpoint/2010/main" val="1482985381"/>
+      </p:ext>
+    </p:extLst>
+  </p:cSld>
+  <p:clrMapOvr>
+    <a:masterClrMapping/>
+  </p:clrMapOvr>
+</p:notes>
+</file>
+
+<file path=ppt/notesSlides/notesSlide7.xml><?xml version="1.0" encoding="utf-8"?>
+<p:notes xmlns:a="http://schemas.openxmlformats.org/drawingml/2006/main" xmlns:r="http://schemas.openxmlformats.org/officeDocument/2006/relationships" xmlns:p="http://schemas.openxmlformats.org/presentationml/2006/main">
+  <p:cSld>
+    <p:spTree>
+      <p:nvGrpSpPr>
+        <p:cNvPr id="1" name=""/>
+        <p:cNvGrpSpPr/>
+        <p:nvPr/>
+      </p:nvGrpSpPr>
+      <p:grpSpPr>
+        <a:xfrm>
+          <a:off x="0" y="0"/>
+          <a:ext cx="0" cy="0"/>
+          <a:chOff x="0" y="0"/>
+          <a:chExt cx="0" cy="0"/>
+        </a:xfrm>
+      </p:grpSpPr>
+      <p:sp>
+        <p:nvSpPr>
+          <p:cNvPr id="2" name="Slide Image Placeholder 1"/>
+          <p:cNvSpPr>
+            <a:spLocks noGrp="1" noRot="1" noChangeAspect="1"/>
+          </p:cNvSpPr>
+          <p:nvPr>
+            <p:ph type="sldImg"/>
+          </p:nvPr>
+        </p:nvSpPr>
+        <p:spPr/>
+      </p:sp>
+      <p:sp>
+        <p:nvSpPr>
+          <p:cNvPr id="3" name="Notes Placeholder 2"/>
+          <p:cNvSpPr>
+            <a:spLocks noGrp="1"/>
+          </p:cNvSpPr>
+          <p:nvPr>
+            <p:ph type="body" idx="1"/>
+          </p:nvPr>
+        </p:nvSpPr>
+        <p:spPr/>
+        <p:txBody>
+          <a:bodyPr/>
+          <a:lstStyle/>
+          <a:p>
+            <a:r>
+              <a:rPr lang="en-US" b="1" dirty="0" smtClean="0"/>
+              <a:t>RSA </a:t>
+            </a:r>
+            <a:r>
+              <a:rPr lang="vi-VN" b="1" dirty="0" smtClean="0"/>
+              <a:t>SecurID</a:t>
+            </a:r>
+            <a:r>
+              <a:rPr lang="en-US" b="1" dirty="0" smtClean="0"/>
+              <a:t> Token Calculator</a:t>
+            </a:r>
+            <a:r>
+              <a:rPr lang="en-US" dirty="0" smtClean="0"/>
+              <a:t> </a:t>
+            </a:r>
+          </a:p>
+          <a:p>
+            <a:pPr>
+              <a:buFont typeface="Wingdings" pitchFamily="2" charset="2"/>
+              <a:buNone/>
+            </a:pPr>
+            <a:r>
+              <a:rPr lang="en-US" dirty="0" smtClean="0"/>
+              <a:t>	</a:t>
+            </a:r>
+            <a:r>
+              <a:rPr lang="vi-VN" dirty="0" smtClean="0"/>
+              <a:t>Các SecurID Key Fob sẽ hiển thị một mã truy cập ngẫu nhiên tạo ra, mà thay đổi mỗi 60 giây. Các SecurID Key Fob cung cấp hai yếu tố xác thực: người sử dụng các bản ghi trong bằng cách nhập một số nhận dạng cá nhân bí mật (PIN) theo sau là mã hiện hành hiển thị trên thẻ SecurID. </a:t>
+            </a:r>
+          </a:p>
+          <a:p>
+            <a:endParaRPr lang="en-US" dirty="0"/>
+          </a:p>
+        </p:txBody>
+      </p:sp>
+      <p:sp>
+        <p:nvSpPr>
+          <p:cNvPr id="4" name="Slide Number Placeholder 3"/>
+          <p:cNvSpPr>
+            <a:spLocks noGrp="1"/>
+          </p:cNvSpPr>
+          <p:nvPr>
+            <p:ph type="sldNum" sz="quarter" idx="10"/>
+          </p:nvPr>
+        </p:nvSpPr>
+        <p:spPr/>
+        <p:txBody>
+          <a:bodyPr/>
+          <a:lstStyle/>
+          <a:p>
+            <a:fld id="{FAC12B91-7657-4F21-8BE0-A3CBF37DB14A}" type="slidenum">
+              <a:rPr lang="en-US" smtClean="0"/>
+              <a:t>19</a:t>
+            </a:fld>
+            <a:endParaRPr lang="en-US"/>
+          </a:p>
+        </p:txBody>
+      </p:sp>
+    </p:spTree>
+    <p:extLst>
+      <p:ext uri="{BB962C8B-B14F-4D97-AF65-F5344CB8AC3E}">
+        <p14:creationId xmlns:p14="http://schemas.microsoft.com/office/powerpoint/2010/main" val="728876452"/>
+      </p:ext>
+    </p:extLst>
+  </p:cSld>
+  <p:clrMapOvr>
+    <a:masterClrMapping/>
+  </p:clrMapOvr>
+</p:notes>
+</file>
+
+<file path=ppt/notesSlides/notesSlide8.xml><?xml version="1.0" encoding="utf-8"?>
+<p:notes xmlns:a="http://schemas.openxmlformats.org/drawingml/2006/main" xmlns:r="http://schemas.openxmlformats.org/officeDocument/2006/relationships" xmlns:p="http://schemas.openxmlformats.org/presentationml/2006/main">
+  <p:cSld>
+    <p:spTree>
+      <p:nvGrpSpPr>
+        <p:cNvPr id="1" name=""/>
+        <p:cNvGrpSpPr/>
+        <p:nvPr/>
+      </p:nvGrpSpPr>
+      <p:grpSpPr>
+        <a:xfrm>
+          <a:off x="0" y="0"/>
+          <a:ext cx="0" cy="0"/>
+          <a:chOff x="0" y="0"/>
+          <a:chExt cx="0" cy="0"/>
+        </a:xfrm>
+      </p:grpSpPr>
+      <p:sp>
+        <p:nvSpPr>
+          <p:cNvPr id="2" name="Slide Image Placeholder 1"/>
+          <p:cNvSpPr>
+            <a:spLocks noGrp="1" noRot="1" noChangeAspect="1"/>
+          </p:cNvSpPr>
+          <p:nvPr>
+            <p:ph type="sldImg"/>
+          </p:nvPr>
+        </p:nvSpPr>
+        <p:spPr/>
+      </p:sp>
+      <p:sp>
+        <p:nvSpPr>
+          <p:cNvPr id="3" name="Notes Placeholder 2"/>
+          <p:cNvSpPr>
+            <a:spLocks noGrp="1"/>
+          </p:cNvSpPr>
+          <p:nvPr>
+            <p:ph type="body" idx="1"/>
+          </p:nvPr>
+        </p:nvSpPr>
+        <p:spPr/>
+        <p:txBody>
+          <a:bodyPr/>
+          <a:lstStyle/>
+          <a:p>
             <a:endParaRPr lang="en-US" dirty="0"/>
           </a:p>
         </p:txBody>
@@ -983,7 +1328,7 @@
 </p:notes>
 </file>
 
-<file path=ppt/notesSlides/notesSlide6.xml><?xml version="1.0" encoding="utf-8"?>
+<file path=ppt/notesSlides/notesSlide9.xml><?xml version="1.0" encoding="utf-8"?>
 <p:notes xmlns:a="http://schemas.openxmlformats.org/drawingml/2006/main" xmlns:r="http://schemas.openxmlformats.org/officeDocument/2006/relationships" xmlns:p="http://schemas.openxmlformats.org/presentationml/2006/main">
   <p:cSld>
     <p:spTree>
@@ -1984,7 +2329,7 @@
           <a:p>
             <a:fld id="{BAB58F7D-F748-4B5F-8DEB-FE7F1EB71B6F}" type="datetime1">
               <a:rPr lang="en-GB" smtClean="0"/>
-              <a:t>09/10/2013</a:t>
+              <a:t>10/10/2013</a:t>
             </a:fld>
             <a:endParaRPr lang="en-GB" dirty="0"/>
           </a:p>
@@ -2552,7 +2897,7 @@
           <a:p>
             <a:fld id="{A80C796F-3894-4FA5-B7D0-70049125D88F}" type="datetime1">
               <a:rPr lang="en-GB" smtClean="0"/>
-              <a:t>09/10/2013</a:t>
+              <a:t>10/10/2013</a:t>
             </a:fld>
             <a:endParaRPr lang="en-GB" dirty="0"/>
           </a:p>
@@ -3055,7 +3400,7 @@
           <a:p>
             <a:fld id="{55757E8D-AAF0-43FB-AB61-3883DFA8BB84}" type="datetime1">
               <a:rPr lang="en-GB" smtClean="0"/>
-              <a:t>09/10/2013</a:t>
+              <a:t>10/10/2013</a:t>
             </a:fld>
             <a:endParaRPr lang="en-GB" dirty="0"/>
           </a:p>
@@ -3534,7 +3879,7 @@
           <a:p>
             <a:fld id="{F5097DAF-B2D1-4CF8-B4DB-505A04727F2F}" type="datetime1">
               <a:rPr lang="en-GB" smtClean="0"/>
-              <a:t>09/10/2013</a:t>
+              <a:t>10/10/2013</a:t>
             </a:fld>
             <a:endParaRPr lang="en-GB" dirty="0"/>
           </a:p>
@@ -3989,7 +4334,7 @@
           <a:p>
             <a:fld id="{DBF02399-B3B5-4463-ABF5-855C845B37FE}" type="datetime1">
               <a:rPr lang="en-GB" smtClean="0"/>
-              <a:t>09/10/2013</a:t>
+              <a:t>10/10/2013</a:t>
             </a:fld>
             <a:endParaRPr lang="en-GB" dirty="0"/>
           </a:p>
@@ -4825,7 +5170,7 @@
           <a:p>
             <a:fld id="{E4FD292C-4D8F-4B5D-8F0B-9DE15A54BF2B}" type="datetime1">
               <a:rPr lang="en-GB" smtClean="0"/>
-              <a:t>09/10/2013</a:t>
+              <a:t>10/10/2013</a:t>
             </a:fld>
             <a:endParaRPr lang="en-GB" dirty="0"/>
           </a:p>
@@ -5765,7 +6110,7 @@
           <a:p>
             <a:fld id="{1E8AB0C9-C681-4F39-9A49-2D466F6E3FAB}" type="datetime1">
               <a:rPr lang="en-GB" smtClean="0"/>
-              <a:t>09/10/2013</a:t>
+              <a:t>10/10/2013</a:t>
             </a:fld>
             <a:endParaRPr lang="en-GB" dirty="0"/>
           </a:p>
@@ -6019,7 +6364,7 @@
           <a:p>
             <a:fld id="{D73BD20C-CE19-415F-BB25-0BAC227AC3E2}" type="datetime1">
               <a:rPr lang="en-GB" smtClean="0"/>
-              <a:t>09/10/2013</a:t>
+              <a:t>10/10/2013</a:t>
             </a:fld>
             <a:endParaRPr lang="en-US"/>
           </a:p>
@@ -8284,7 +8629,7 @@
           <a:p>
             <a:fld id="{83362176-8BB2-4414-8B44-BC4719D988A7}" type="datetime1">
               <a:rPr lang="en-GB" smtClean="0"/>
-              <a:t>09/10/2013</a:t>
+              <a:t>10/10/2013</a:t>
             </a:fld>
             <a:endParaRPr lang="en-GB" dirty="0"/>
           </a:p>
@@ -8529,7 +8874,7 @@
           <a:p>
             <a:fld id="{8685D69B-4DF7-42D8-A3C6-368C9BC09851}" type="datetime1">
               <a:rPr lang="en-GB" smtClean="0"/>
-              <a:t>09/10/2013</a:t>
+              <a:t>10/10/2013</a:t>
             </a:fld>
             <a:endParaRPr lang="en-GB"/>
           </a:p>
@@ -9209,13 +9554,13 @@
   <p:clrMapOvr>
     <a:masterClrMapping/>
   </p:clrMapOvr>
-  <mc:AlternateContent xmlns:mc="http://schemas.openxmlformats.org/markup-compatibility/2006">
-    <mc:Choice xmlns:p14="http://schemas.microsoft.com/office/powerpoint/2010/main" Requires="p14">
+  <mc:AlternateContent xmlns:mc="http://schemas.openxmlformats.org/markup-compatibility/2006" xmlns:p14="http://schemas.microsoft.com/office/powerpoint/2010/main">
+    <mc:Choice Requires="p14">
       <p:transition spd="slow" p14:dur="1300">
         <p14:pan dir="u"/>
       </p:transition>
     </mc:Choice>
-    <mc:Fallback>
+    <mc:Fallback xmlns="">
       <p:transition spd="slow">
         <p:fade/>
       </p:transition>
@@ -9252,7 +9597,7 @@
         <p:nvPicPr>
           <p:cNvPr id="30724" name="Picture 4"/>
           <p:cNvPicPr>
-            <a:picLocks noChangeAspect="1" noChangeArrowheads="1"/>
+            <a:picLocks noGrp="1" noChangeAspect="1" noChangeArrowheads="1"/>
           </p:cNvPicPr>
           <p:nvPr>
             <p:ph type="body" idx="1"/>
@@ -9342,13 +9687,13 @@
   <p:clrMapOvr>
     <a:masterClrMapping/>
   </p:clrMapOvr>
-  <mc:AlternateContent xmlns:mc="http://schemas.openxmlformats.org/markup-compatibility/2006">
-    <mc:Choice xmlns:p14="http://schemas.microsoft.com/office/powerpoint/2010/main" Requires="p14">
+  <mc:AlternateContent xmlns:mc="http://schemas.openxmlformats.org/markup-compatibility/2006" xmlns:p14="http://schemas.microsoft.com/office/powerpoint/2010/main">
+    <mc:Choice Requires="p14">
       <p:transition spd="slow" p14:dur="1300">
         <p14:pan dir="u"/>
       </p:transition>
     </mc:Choice>
-    <mc:Fallback>
+    <mc:Fallback xmlns="">
       <p:transition spd="slow">
         <p:fade/>
       </p:transition>
@@ -9385,7 +9730,7 @@
         <p:nvPicPr>
           <p:cNvPr id="31748" name="Picture 4"/>
           <p:cNvPicPr>
-            <a:picLocks noChangeAspect="1" noChangeArrowheads="1"/>
+            <a:picLocks noGrp="1" noChangeAspect="1" noChangeArrowheads="1"/>
           </p:cNvPicPr>
           <p:nvPr>
             <p:ph type="body" idx="1"/>
@@ -9475,13 +9820,13 @@
   <p:clrMapOvr>
     <a:masterClrMapping/>
   </p:clrMapOvr>
-  <mc:AlternateContent xmlns:mc="http://schemas.openxmlformats.org/markup-compatibility/2006">
-    <mc:Choice xmlns:p14="http://schemas.microsoft.com/office/powerpoint/2010/main" Requires="p14">
+  <mc:AlternateContent xmlns:mc="http://schemas.openxmlformats.org/markup-compatibility/2006" xmlns:p14="http://schemas.microsoft.com/office/powerpoint/2010/main">
+    <mc:Choice Requires="p14">
       <p:transition spd="slow" p14:dur="1300">
         <p14:pan dir="u"/>
       </p:transition>
     </mc:Choice>
-    <mc:Fallback>
+    <mc:Fallback xmlns="">
       <p:transition spd="slow">
         <p:fade/>
       </p:transition>
@@ -9559,7 +9904,7 @@
         <p:spPr>
           <a:xfrm>
             <a:off x="160020" y="1157288"/>
-            <a:ext cx="7303770" cy="3163252"/>
+            <a:ext cx="7303770" cy="3958998"/>
           </a:xfrm>
         </p:spPr>
         <p:txBody>
@@ -9568,12 +9913,59 @@
           </a:bodyPr>
           <a:lstStyle/>
           <a:p>
-            <a:pPr marL="0" indent="0">
-              <a:buNone/>
+            <a:pPr>
+              <a:buFont typeface="Wingdings" panose="05000000000000000000" pitchFamily="2" charset="2"/>
+              <a:buChar char="Ø"/>
             </a:pPr>
             <a:r>
               <a:rPr lang="vi-VN" dirty="0" smtClean="0"/>
-              <a:t>Brute-Force attack là phương pháp phá vỡ một thuật toán mã hóa bằng cách thử tất cả các trường hợp có thể. Tỉnh khả thi của Bute-Force attack phụ thuộc vào độ dài key của  thuật toán mã hóa và thông tin tính toán trước đó của kẻ tấn công. Brute-Force Pasword Cracker kiểm tra tất cả các kết hợp có thể của các ký tự trước một ký tự xác định hoặc tùy chỉnh thiết lập lại các mật khẩu đã mật mã được tải trong hộp thoại sức mạnh vũ phu.</a:t>
+              <a:t>Brute-Force attack là phương pháp phá vỡ một thuật toán mã hóa bằng cách thử tất cả các trường hợp có </a:t>
+            </a:r>
+            <a:r>
+              <a:rPr lang="vi-VN" smtClean="0"/>
+              <a:t>thể</a:t>
+            </a:r>
+            <a:r>
+              <a:rPr lang="vi-VN" smtClean="0"/>
+              <a:t>.</a:t>
+            </a:r>
+            <a:endParaRPr lang="en-US" smtClean="0"/>
+          </a:p>
+          <a:p>
+            <a:pPr>
+              <a:buFont typeface="Wingdings" panose="05000000000000000000" pitchFamily="2" charset="2"/>
+              <a:buChar char="Ø"/>
+            </a:pPr>
+            <a:r>
+              <a:rPr lang="vi-VN" smtClean="0"/>
+              <a:t> </a:t>
+            </a:r>
+            <a:r>
+              <a:rPr lang="vi-VN" dirty="0" smtClean="0"/>
+              <a:t>Tỉnh khả thi của Bute-Force attack phụ thuộc vào độ dài key của  thuật toán mã hóa và thông tin tính toán trước đó của kẻ tấn </a:t>
+            </a:r>
+            <a:r>
+              <a:rPr lang="vi-VN" smtClean="0"/>
+              <a:t>công</a:t>
+            </a:r>
+            <a:r>
+              <a:rPr lang="vi-VN" smtClean="0"/>
+              <a:t>.</a:t>
+            </a:r>
+            <a:endParaRPr lang="en-US" smtClean="0"/>
+          </a:p>
+          <a:p>
+            <a:pPr>
+              <a:buFont typeface="Wingdings" panose="05000000000000000000" pitchFamily="2" charset="2"/>
+              <a:buChar char="Ø"/>
+            </a:pPr>
+            <a:r>
+              <a:rPr lang="vi-VN" smtClean="0"/>
+              <a:t> </a:t>
+            </a:r>
+            <a:r>
+              <a:rPr lang="vi-VN" dirty="0" smtClean="0"/>
+              <a:t>Brute-Force Pasword Cracker kiểm tra tất cả các kết hợp có thể của các ký tự trước một ký tự xác định hoặc tùy chỉnh thiết lập lại các mật khẩu đã mật mã được tải trong hộp thoại sức mạnh vũ phu.</a:t>
             </a:r>
             <a:endParaRPr lang="vi-VN" dirty="0"/>
           </a:p>
@@ -9589,13 +9981,13 @@
   <p:clrMapOvr>
     <a:masterClrMapping/>
   </p:clrMapOvr>
-  <mc:AlternateContent xmlns:mc="http://schemas.openxmlformats.org/markup-compatibility/2006">
-    <mc:Choice xmlns:p14="http://schemas.microsoft.com/office/powerpoint/2010/main" Requires="p14">
+  <mc:AlternateContent xmlns:mc="http://schemas.openxmlformats.org/markup-compatibility/2006" xmlns:p14="http://schemas.microsoft.com/office/powerpoint/2010/main">
+    <mc:Choice Requires="p14">
       <p:transition spd="slow" p14:dur="1300">
         <p14:pan dir="u"/>
       </p:transition>
     </mc:Choice>
-    <mc:Fallback>
+    <mc:Fallback xmlns="">
       <p:transition spd="slow">
         <p:fade/>
       </p:transition>
@@ -9632,7 +10024,7 @@
         <p:nvPicPr>
           <p:cNvPr id="33796" name="Picture 4"/>
           <p:cNvPicPr>
-            <a:picLocks noChangeAspect="1" noChangeArrowheads="1"/>
+            <a:picLocks noGrp="1" noChangeAspect="1" noChangeArrowheads="1"/>
           </p:cNvPicPr>
           <p:nvPr>
             <p:ph type="body" idx="1"/>
@@ -9722,13 +10114,13 @@
   <p:clrMapOvr>
     <a:masterClrMapping/>
   </p:clrMapOvr>
-  <mc:AlternateContent xmlns:mc="http://schemas.openxmlformats.org/markup-compatibility/2006">
-    <mc:Choice xmlns:p14="http://schemas.microsoft.com/office/powerpoint/2010/main" Requires="p14">
+  <mc:AlternateContent xmlns:mc="http://schemas.openxmlformats.org/markup-compatibility/2006" xmlns:p14="http://schemas.microsoft.com/office/powerpoint/2010/main">
+    <mc:Choice Requires="p14">
       <p:transition spd="slow" p14:dur="1300">
         <p14:pan dir="u"/>
       </p:transition>
     </mc:Choice>
-    <mc:Fallback>
+    <mc:Fallback xmlns="">
       <p:transition spd="slow">
         <p:fade/>
       </p:transition>
@@ -9797,14 +10189,14 @@
         <p:nvPicPr>
           <p:cNvPr id="34821" name="Picture 5"/>
           <p:cNvPicPr>
-            <a:picLocks noChangeAspect="1" noChangeArrowheads="1"/>
+            <a:picLocks noGrp="1" noChangeAspect="1" noChangeArrowheads="1"/>
           </p:cNvPicPr>
           <p:nvPr>
             <p:ph type="body" idx="4294967295"/>
           </p:nvPr>
         </p:nvPicPr>
         <p:blipFill>
-          <a:blip r:embed="rId2">
+          <a:blip r:embed="rId3">
             <a:extLst>
               <a:ext uri="{28A0092B-C50C-407E-A947-70E740481C1C}">
                 <a14:useLocalDpi xmlns:a14="http://schemas.microsoft.com/office/drawing/2010/main" val="0"/>
@@ -9966,13 +10358,13 @@
   <p:clrMapOvr>
     <a:masterClrMapping/>
   </p:clrMapOvr>
-  <mc:AlternateContent xmlns:mc="http://schemas.openxmlformats.org/markup-compatibility/2006">
-    <mc:Choice xmlns:p14="http://schemas.microsoft.com/office/powerpoint/2010/main" Requires="p14">
+  <mc:AlternateContent xmlns:mc="http://schemas.openxmlformats.org/markup-compatibility/2006" xmlns:p14="http://schemas.microsoft.com/office/powerpoint/2010/main">
+    <mc:Choice Requires="p14">
       <p:transition spd="slow" p14:dur="1300">
         <p14:pan dir="u"/>
       </p:transition>
     </mc:Choice>
-    <mc:Fallback>
+    <mc:Fallback xmlns="">
       <p:transition spd="slow">
         <p:fade/>
       </p:transition>
@@ -10092,13 +10484,13 @@
   <p:clrMapOvr>
     <a:masterClrMapping/>
   </p:clrMapOvr>
-  <mc:AlternateContent xmlns:mc="http://schemas.openxmlformats.org/markup-compatibility/2006">
-    <mc:Choice xmlns:p14="http://schemas.microsoft.com/office/powerpoint/2010/main" Requires="p14">
+  <mc:AlternateContent xmlns:mc="http://schemas.openxmlformats.org/markup-compatibility/2006" xmlns:p14="http://schemas.microsoft.com/office/powerpoint/2010/main">
+    <mc:Choice Requires="p14">
       <p:transition spd="slow" p14:dur="1300">
         <p14:pan dir="u"/>
       </p:transition>
     </mc:Choice>
-    <mc:Fallback>
+    <mc:Fallback xmlns="">
       <p:transition spd="slow">
         <p:fade/>
       </p:transition>
@@ -10167,7 +10559,7 @@
         <p:nvPicPr>
           <p:cNvPr id="38916" name="Picture 4"/>
           <p:cNvPicPr>
-            <a:picLocks noChangeAspect="1" noChangeArrowheads="1"/>
+            <a:picLocks noGrp="1" noChangeAspect="1" noChangeArrowheads="1"/>
           </p:cNvPicPr>
           <p:nvPr>
             <p:ph type="body" idx="4294967295"/>
@@ -10233,13 +10625,13 @@
   <p:clrMapOvr>
     <a:masterClrMapping/>
   </p:clrMapOvr>
-  <mc:AlternateContent xmlns:mc="http://schemas.openxmlformats.org/markup-compatibility/2006">
-    <mc:Choice xmlns:p14="http://schemas.microsoft.com/office/powerpoint/2010/main" Requires="p14">
+  <mc:AlternateContent xmlns:mc="http://schemas.openxmlformats.org/markup-compatibility/2006" xmlns:p14="http://schemas.microsoft.com/office/powerpoint/2010/main">
+    <mc:Choice Requires="p14">
       <p:transition spd="slow" p14:dur="1300">
         <p14:pan dir="u"/>
       </p:transition>
     </mc:Choice>
-    <mc:Fallback>
+    <mc:Fallback xmlns="">
       <p:transition spd="slow">
         <p:fade/>
       </p:transition>
@@ -10308,7 +10700,7 @@
         <p:nvPicPr>
           <p:cNvPr id="39940" name="Picture 4"/>
           <p:cNvPicPr>
-            <a:picLocks noChangeAspect="1" noChangeArrowheads="1"/>
+            <a:picLocks noGrp="1" noChangeAspect="1" noChangeArrowheads="1"/>
           </p:cNvPicPr>
           <p:nvPr>
             <p:ph type="body" idx="4294967295"/>
@@ -10374,13 +10766,13 @@
   <p:clrMapOvr>
     <a:masterClrMapping/>
   </p:clrMapOvr>
-  <mc:AlternateContent xmlns:mc="http://schemas.openxmlformats.org/markup-compatibility/2006">
-    <mc:Choice xmlns:p14="http://schemas.microsoft.com/office/powerpoint/2010/main" Requires="p14">
+  <mc:AlternateContent xmlns:mc="http://schemas.openxmlformats.org/markup-compatibility/2006" xmlns:p14="http://schemas.microsoft.com/office/powerpoint/2010/main">
+    <mc:Choice Requires="p14">
       <p:transition spd="slow" p14:dur="1300">
         <p14:pan dir="u"/>
       </p:transition>
     </mc:Choice>
-    <mc:Fallback>
+    <mc:Fallback xmlns="">
       <p:transition spd="slow">
         <p:fade/>
       </p:transition>
@@ -10530,13 +10922,13 @@
   <p:clrMapOvr>
     <a:masterClrMapping/>
   </p:clrMapOvr>
-  <mc:AlternateContent xmlns:mc="http://schemas.openxmlformats.org/markup-compatibility/2006">
-    <mc:Choice xmlns:p14="http://schemas.microsoft.com/office/powerpoint/2010/main" Requires="p14">
+  <mc:AlternateContent xmlns:mc="http://schemas.openxmlformats.org/markup-compatibility/2006" xmlns:p14="http://schemas.microsoft.com/office/powerpoint/2010/main">
+    <mc:Choice Requires="p14">
       <p:transition spd="slow" p14:dur="1300">
         <p14:pan dir="u"/>
       </p:transition>
     </mc:Choice>
-    <mc:Fallback>
+    <mc:Fallback xmlns="">
       <p:transition spd="slow">
         <p:fade/>
       </p:transition>
@@ -11051,13 +11443,13 @@
   <p:clrMapOvr>
     <a:masterClrMapping/>
   </p:clrMapOvr>
-  <mc:AlternateContent xmlns:mc="http://schemas.openxmlformats.org/markup-compatibility/2006">
-    <mc:Choice xmlns:p14="http://schemas.microsoft.com/office/powerpoint/2010/main" Requires="p14">
+  <mc:AlternateContent xmlns:mc="http://schemas.openxmlformats.org/markup-compatibility/2006" xmlns:p14="http://schemas.microsoft.com/office/powerpoint/2010/main">
+    <mc:Choice Requires="p14">
       <p:transition spd="slow" p14:dur="1300">
         <p14:pan dir="u"/>
       </p:transition>
     </mc:Choice>
-    <mc:Fallback>
+    <mc:Fallback xmlns="">
       <p:transition spd="slow">
         <p:fade/>
       </p:transition>
@@ -11988,13 +12380,13 @@
   <p:clrMapOvr>
     <a:masterClrMapping/>
   </p:clrMapOvr>
-  <mc:AlternateContent xmlns:mc="http://schemas.openxmlformats.org/markup-compatibility/2006">
-    <mc:Choice xmlns:p14="http://schemas.microsoft.com/office/powerpoint/2010/main" Requires="p14">
+  <mc:AlternateContent xmlns:mc="http://schemas.openxmlformats.org/markup-compatibility/2006" xmlns:p14="http://schemas.microsoft.com/office/powerpoint/2010/main">
+    <mc:Choice Requires="p14">
       <p:transition spd="slow" p14:dur="1600">
         <p14:prism isContent="1" isInverted="1"/>
       </p:transition>
     </mc:Choice>
-    <mc:Fallback>
+    <mc:Fallback xmlns="">
       <p:transition spd="slow">
         <p:fade/>
       </p:transition>
@@ -12176,7 +12568,6 @@
               <a:rPr lang="en-US" sz="4400" b="1" dirty="0"/>
               <a:t>Remote installation</a:t>
             </a:r>
-            <a:endParaRPr lang="en-US" sz="4400" b="1" dirty="0"/>
           </a:p>
         </p:txBody>
       </p:sp>
@@ -12382,13 +12773,13 @@
   <p:clrMapOvr>
     <a:masterClrMapping/>
   </p:clrMapOvr>
-  <mc:AlternateContent xmlns:mc="http://schemas.openxmlformats.org/markup-compatibility/2006">
-    <mc:Choice xmlns:p14="http://schemas.microsoft.com/office/powerpoint/2010/main" Requires="p14">
+  <mc:AlternateContent xmlns:mc="http://schemas.openxmlformats.org/markup-compatibility/2006" xmlns:p14="http://schemas.microsoft.com/office/powerpoint/2010/main">
+    <mc:Choice Requires="p14">
       <p:transition spd="slow" p14:dur="1600">
         <p14:prism isContent="1" isInverted="1"/>
       </p:transition>
     </mc:Choice>
-    <mc:Fallback>
+    <mc:Fallback xmlns="">
       <p:transition spd="slow">
         <p:fade/>
       </p:transition>
@@ -12510,7 +12901,6 @@
               <a:rPr lang="en-US" sz="4400" b="1" dirty="0"/>
               <a:t>Remote Console</a:t>
             </a:r>
-            <a:endParaRPr lang="en-US" sz="4400" b="1" dirty="0"/>
           </a:p>
         </p:txBody>
       </p:sp>
@@ -12643,7 +13033,6 @@
               <a:rPr lang="en-US" sz="4400" b="1" dirty="0"/>
               <a:t>Remote LSA Secrets Dumper </a:t>
             </a:r>
-            <a:endParaRPr lang="en-US" sz="4400" b="1" dirty="0"/>
           </a:p>
         </p:txBody>
       </p:sp>
@@ -13715,13 +14104,13 @@
   <p:clrMapOvr>
     <a:masterClrMapping/>
   </p:clrMapOvr>
-  <mc:AlternateContent xmlns:mc="http://schemas.openxmlformats.org/markup-compatibility/2006">
-    <mc:Choice xmlns:p14="http://schemas.microsoft.com/office/powerpoint/2010/main" Requires="p14">
+  <mc:AlternateContent xmlns:mc="http://schemas.openxmlformats.org/markup-compatibility/2006" xmlns:p14="http://schemas.microsoft.com/office/powerpoint/2010/main">
+    <mc:Choice Requires="p14">
       <p:transition spd="slow" p14:dur="3400">
         <p14:reveal/>
       </p:transition>
     </mc:Choice>
-    <mc:Fallback>
+    <mc:Fallback xmlns="">
       <p:transition spd="slow">
         <p:fade/>
       </p:transition>
@@ -14093,13 +14482,13 @@
   <p:clrMapOvr>
     <a:masterClrMapping/>
   </p:clrMapOvr>
-  <mc:AlternateContent xmlns:mc="http://schemas.openxmlformats.org/markup-compatibility/2006">
-    <mc:Choice xmlns:p14="http://schemas.microsoft.com/office/powerpoint/2010/main" Requires="p14">
+  <mc:AlternateContent xmlns:mc="http://schemas.openxmlformats.org/markup-compatibility/2006" xmlns:p14="http://schemas.microsoft.com/office/powerpoint/2010/main">
+    <mc:Choice Requires="p14">
       <p:transition spd="slow" p14:dur="1600">
         <p14:prism isContent="1" isInverted="1"/>
       </p:transition>
     </mc:Choice>
-    <mc:Fallback>
+    <mc:Fallback xmlns="">
       <p:transition spd="slow">
         <p:fade/>
       </p:transition>
@@ -14275,13 +14664,13 @@
   <p:clrMapOvr>
     <a:masterClrMapping/>
   </p:clrMapOvr>
-  <mc:AlternateContent xmlns:mc="http://schemas.openxmlformats.org/markup-compatibility/2006">
-    <mc:Choice xmlns:p14="http://schemas.microsoft.com/office/powerpoint/2010/main" Requires="p14">
+  <mc:AlternateContent xmlns:mc="http://schemas.openxmlformats.org/markup-compatibility/2006" xmlns:p14="http://schemas.microsoft.com/office/powerpoint/2010/main">
+    <mc:Choice Requires="p14">
       <p:transition spd="slow" p14:dur="1600">
         <p14:prism isContent="1" isInverted="1"/>
       </p:transition>
     </mc:Choice>
-    <mc:Fallback>
+    <mc:Fallback xmlns="">
       <p:transition spd="slow">
         <p:fade/>
       </p:transition>
@@ -14422,13 +14811,13 @@
   <p:clrMapOvr>
     <a:masterClrMapping/>
   </p:clrMapOvr>
-  <mc:AlternateContent xmlns:mc="http://schemas.openxmlformats.org/markup-compatibility/2006">
-    <mc:Choice xmlns:p14="http://schemas.microsoft.com/office/powerpoint/2010/main" Requires="p14">
+  <mc:AlternateContent xmlns:mc="http://schemas.openxmlformats.org/markup-compatibility/2006" xmlns:p14="http://schemas.microsoft.com/office/powerpoint/2010/main">
+    <mc:Choice Requires="p14">
       <p:transition spd="slow" p14:dur="1600">
         <p14:prism isContent="1" isInverted="1"/>
       </p:transition>
     </mc:Choice>
-    <mc:Fallback>
+    <mc:Fallback xmlns="">
       <p:transition spd="slow">
         <p:fade/>
       </p:transition>
@@ -14651,13 +15040,13 @@
   <p:clrMapOvr>
     <a:masterClrMapping/>
   </p:clrMapOvr>
-  <mc:AlternateContent xmlns:mc="http://schemas.openxmlformats.org/markup-compatibility/2006">
-    <mc:Choice xmlns:p14="http://schemas.microsoft.com/office/powerpoint/2010/main" Requires="p14">
+  <mc:AlternateContent xmlns:mc="http://schemas.openxmlformats.org/markup-compatibility/2006" xmlns:p14="http://schemas.microsoft.com/office/powerpoint/2010/main">
+    <mc:Choice Requires="p14">
       <p:transition spd="slow" p14:dur="1300">
         <p14:pan dir="u"/>
       </p:transition>
     </mc:Choice>
-    <mc:Fallback>
+    <mc:Fallback xmlns="">
       <p:transition spd="slow">
         <p:fade/>
       </p:transition>
@@ -14699,7 +15088,7 @@
           <p:nvPr/>
         </p:nvPicPr>
         <p:blipFill>
-          <a:blip r:embed="rId2">
+          <a:blip r:embed="rId3">
             <a:extLst>
               <a:ext uri="{28A0092B-C50C-407E-A947-70E740481C1C}">
                 <a14:useLocalDpi xmlns:a14="http://schemas.microsoft.com/office/drawing/2010/main" val="0"/>
@@ -14820,13 +15209,13 @@
   <p:clrMapOvr>
     <a:masterClrMapping/>
   </p:clrMapOvr>
-  <mc:AlternateContent xmlns:mc="http://schemas.openxmlformats.org/markup-compatibility/2006">
-    <mc:Choice xmlns:p14="http://schemas.microsoft.com/office/powerpoint/2010/main" Requires="p14">
+  <mc:AlternateContent xmlns:mc="http://schemas.openxmlformats.org/markup-compatibility/2006" xmlns:p14="http://schemas.microsoft.com/office/powerpoint/2010/main">
+    <mc:Choice Requires="p14">
       <p:transition spd="slow" p14:dur="1300">
         <p14:pan dir="u"/>
       </p:transition>
     </mc:Choice>
-    <mc:Fallback>
+    <mc:Fallback xmlns="">
       <p:transition spd="slow">
         <p:fade/>
       </p:transition>
@@ -15322,7 +15711,7 @@
   <a:extraClrSchemeLst/>
   <a:extLst>
     <a:ext uri="{05A4C25C-085E-4340-85A3-A5531E510DB2}">
-      <thm15:themeFamily xmlns:thm15="http://schemas.microsoft.com/office/thememl/2012/main" xmlns="" name="Office Theme" id="{62F939B6-93AF-4DB8-9C6B-D6C7DFDC589F}" vid="{4A3C46E8-61CC-4603-A589-7422A47A8E4A}"/>
+      <thm15:themeFamily xmlns:thm15="http://schemas.microsoft.com/office/thememl/2012/main" name="Office Theme" id="{62F939B6-93AF-4DB8-9C6B-D6C7DFDC589F}" vid="{4A3C46E8-61CC-4603-A589-7422A47A8E4A}"/>
     </a:ext>
   </a:extLst>
 </a:theme>
